--- a/report/PowerPointPresentation.pptx
+++ b/report/PowerPointPresentation.pptx
@@ -4,10 +4,14 @@
   <p:sldMasterIdLst>
     <p:sldMasterId id="2147483648" r:id="rId1"/>
   </p:sldMasterIdLst>
+  <p:notesMasterIdLst>
+    <p:notesMasterId r:id="rId6"/>
+  </p:notesMasterIdLst>
   <p:sldIdLst>
     <p:sldId id="256" r:id="rId2"/>
     <p:sldId id="257" r:id="rId3"/>
     <p:sldId id="258" r:id="rId4"/>
+    <p:sldId id="259" r:id="rId5"/>
   </p:sldIdLst>
   <p:sldSz cx="12192000" cy="6858000"/>
   <p:notesSz cx="6858000" cy="9144000"/>
@@ -106,7 +110,685 @@
       </a:defRPr>
     </a:lvl9pPr>
   </p:defaultTextStyle>
+  <p:extLst>
+    <p:ext uri="{EFAFB233-063F-42B5-8137-9DF3F51BA10A}">
+      <p15:sldGuideLst xmlns:p15="http://schemas.microsoft.com/office/powerpoint/2012/main"/>
+    </p:ext>
+  </p:extLst>
 </p:presentation>
+</file>
+
+<file path=ppt/notesMasters/notesMaster1.xml><?xml version="1.0" encoding="utf-8"?>
+<p:notesMaster xmlns:a="http://schemas.openxmlformats.org/drawingml/2006/main" xmlns:r="http://schemas.openxmlformats.org/officeDocument/2006/relationships" xmlns:p="http://schemas.openxmlformats.org/presentationml/2006/main">
+  <p:cSld>
+    <p:bg>
+      <p:bgRef idx="1001">
+        <a:schemeClr val="bg1"/>
+      </p:bgRef>
+    </p:bg>
+    <p:spTree>
+      <p:nvGrpSpPr>
+        <p:cNvPr id="1" name=""/>
+        <p:cNvGrpSpPr/>
+        <p:nvPr/>
+      </p:nvGrpSpPr>
+      <p:grpSpPr>
+        <a:xfrm>
+          <a:off x="0" y="0"/>
+          <a:ext cx="0" cy="0"/>
+          <a:chOff x="0" y="0"/>
+          <a:chExt cx="0" cy="0"/>
+        </a:xfrm>
+      </p:grpSpPr>
+      <p:sp>
+        <p:nvSpPr>
+          <p:cNvPr id="2" name="Header Placeholder 1"/>
+          <p:cNvSpPr>
+            <a:spLocks noGrp="1"/>
+          </p:cNvSpPr>
+          <p:nvPr>
+            <p:ph type="hdr" sz="quarter"/>
+          </p:nvPr>
+        </p:nvSpPr>
+        <p:spPr>
+          <a:xfrm>
+            <a:off x="0" y="0"/>
+            <a:ext cx="2971800" cy="458788"/>
+          </a:xfrm>
+          <a:prstGeom prst="rect">
+            <a:avLst/>
+          </a:prstGeom>
+        </p:spPr>
+        <p:txBody>
+          <a:bodyPr vert="horz" lIns="91440" tIns="45720" rIns="91440" bIns="45720" rtlCol="0"/>
+          <a:lstStyle>
+            <a:lvl1pPr algn="l">
+              <a:defRPr sz="1200"/>
+            </a:lvl1pPr>
+          </a:lstStyle>
+          <a:p>
+            <a:endParaRPr lang="en-CA"/>
+          </a:p>
+        </p:txBody>
+      </p:sp>
+      <p:sp>
+        <p:nvSpPr>
+          <p:cNvPr id="3" name="Date Placeholder 2"/>
+          <p:cNvSpPr>
+            <a:spLocks noGrp="1"/>
+          </p:cNvSpPr>
+          <p:nvPr>
+            <p:ph type="dt" idx="1"/>
+          </p:nvPr>
+        </p:nvSpPr>
+        <p:spPr>
+          <a:xfrm>
+            <a:off x="3884613" y="0"/>
+            <a:ext cx="2971800" cy="458788"/>
+          </a:xfrm>
+          <a:prstGeom prst="rect">
+            <a:avLst/>
+          </a:prstGeom>
+        </p:spPr>
+        <p:txBody>
+          <a:bodyPr vert="horz" lIns="91440" tIns="45720" rIns="91440" bIns="45720" rtlCol="0"/>
+          <a:lstStyle>
+            <a:lvl1pPr algn="r">
+              <a:defRPr sz="1200"/>
+            </a:lvl1pPr>
+          </a:lstStyle>
+          <a:p>
+            <a:fld id="{0DC6DE64-9853-480C-82B4-3E7155C863AD}" type="datetimeFigureOut">
+              <a:rPr lang="en-CA" smtClean="0"/>
+              <a:t>2019-05-16</a:t>
+            </a:fld>
+            <a:endParaRPr lang="en-CA"/>
+          </a:p>
+        </p:txBody>
+      </p:sp>
+      <p:sp>
+        <p:nvSpPr>
+          <p:cNvPr id="4" name="Slide Image Placeholder 3"/>
+          <p:cNvSpPr>
+            <a:spLocks noGrp="1" noRot="1" noChangeAspect="1"/>
+          </p:cNvSpPr>
+          <p:nvPr>
+            <p:ph type="sldImg" idx="2"/>
+          </p:nvPr>
+        </p:nvSpPr>
+        <p:spPr>
+          <a:xfrm>
+            <a:off x="685800" y="1143000"/>
+            <a:ext cx="5486400" cy="3086100"/>
+          </a:xfrm>
+          <a:prstGeom prst="rect">
+            <a:avLst/>
+          </a:prstGeom>
+          <a:noFill/>
+          <a:ln w="12700">
+            <a:solidFill>
+              <a:prstClr val="black"/>
+            </a:solidFill>
+          </a:ln>
+        </p:spPr>
+        <p:txBody>
+          <a:bodyPr vert="horz" lIns="91440" tIns="45720" rIns="91440" bIns="45720" rtlCol="0" anchor="ctr"/>
+          <a:lstStyle/>
+          <a:p>
+            <a:endParaRPr lang="en-CA"/>
+          </a:p>
+        </p:txBody>
+      </p:sp>
+      <p:sp>
+        <p:nvSpPr>
+          <p:cNvPr id="5" name="Notes Placeholder 4"/>
+          <p:cNvSpPr>
+            <a:spLocks noGrp="1"/>
+          </p:cNvSpPr>
+          <p:nvPr>
+            <p:ph type="body" sz="quarter" idx="3"/>
+          </p:nvPr>
+        </p:nvSpPr>
+        <p:spPr>
+          <a:xfrm>
+            <a:off x="685800" y="4400550"/>
+            <a:ext cx="5486400" cy="3600450"/>
+          </a:xfrm>
+          <a:prstGeom prst="rect">
+            <a:avLst/>
+          </a:prstGeom>
+        </p:spPr>
+        <p:txBody>
+          <a:bodyPr vert="horz" lIns="91440" tIns="45720" rIns="91440" bIns="45720" rtlCol="0"/>
+          <a:lstStyle/>
+          <a:p>
+            <a:pPr lvl="0"/>
+            <a:r>
+              <a:rPr lang="en-US"/>
+              <a:t>Click to edit Master text styles</a:t>
+            </a:r>
+          </a:p>
+          <a:p>
+            <a:pPr lvl="1"/>
+            <a:r>
+              <a:rPr lang="en-US"/>
+              <a:t>Second level</a:t>
+            </a:r>
+          </a:p>
+          <a:p>
+            <a:pPr lvl="2"/>
+            <a:r>
+              <a:rPr lang="en-US"/>
+              <a:t>Third level</a:t>
+            </a:r>
+          </a:p>
+          <a:p>
+            <a:pPr lvl="3"/>
+            <a:r>
+              <a:rPr lang="en-US"/>
+              <a:t>Fourth level</a:t>
+            </a:r>
+          </a:p>
+          <a:p>
+            <a:pPr lvl="4"/>
+            <a:r>
+              <a:rPr lang="en-US"/>
+              <a:t>Fifth level</a:t>
+            </a:r>
+            <a:endParaRPr lang="en-CA"/>
+          </a:p>
+        </p:txBody>
+      </p:sp>
+      <p:sp>
+        <p:nvSpPr>
+          <p:cNvPr id="6" name="Footer Placeholder 5"/>
+          <p:cNvSpPr>
+            <a:spLocks noGrp="1"/>
+          </p:cNvSpPr>
+          <p:nvPr>
+            <p:ph type="ftr" sz="quarter" idx="4"/>
+          </p:nvPr>
+        </p:nvSpPr>
+        <p:spPr>
+          <a:xfrm>
+            <a:off x="0" y="8685213"/>
+            <a:ext cx="2971800" cy="458787"/>
+          </a:xfrm>
+          <a:prstGeom prst="rect">
+            <a:avLst/>
+          </a:prstGeom>
+        </p:spPr>
+        <p:txBody>
+          <a:bodyPr vert="horz" lIns="91440" tIns="45720" rIns="91440" bIns="45720" rtlCol="0" anchor="b"/>
+          <a:lstStyle>
+            <a:lvl1pPr algn="l">
+              <a:defRPr sz="1200"/>
+            </a:lvl1pPr>
+          </a:lstStyle>
+          <a:p>
+            <a:endParaRPr lang="en-CA"/>
+          </a:p>
+        </p:txBody>
+      </p:sp>
+      <p:sp>
+        <p:nvSpPr>
+          <p:cNvPr id="7" name="Slide Number Placeholder 6"/>
+          <p:cNvSpPr>
+            <a:spLocks noGrp="1"/>
+          </p:cNvSpPr>
+          <p:nvPr>
+            <p:ph type="sldNum" sz="quarter" idx="5"/>
+          </p:nvPr>
+        </p:nvSpPr>
+        <p:spPr>
+          <a:xfrm>
+            <a:off x="3884613" y="8685213"/>
+            <a:ext cx="2971800" cy="458787"/>
+          </a:xfrm>
+          <a:prstGeom prst="rect">
+            <a:avLst/>
+          </a:prstGeom>
+        </p:spPr>
+        <p:txBody>
+          <a:bodyPr vert="horz" lIns="91440" tIns="45720" rIns="91440" bIns="45720" rtlCol="0" anchor="b"/>
+          <a:lstStyle>
+            <a:lvl1pPr algn="r">
+              <a:defRPr sz="1200"/>
+            </a:lvl1pPr>
+          </a:lstStyle>
+          <a:p>
+            <a:fld id="{19869EA4-DC60-4902-8F00-4A95F3B44FF2}" type="slidenum">
+              <a:rPr lang="en-CA" smtClean="0"/>
+              <a:t>‹#›</a:t>
+            </a:fld>
+            <a:endParaRPr lang="en-CA"/>
+          </a:p>
+        </p:txBody>
+      </p:sp>
+    </p:spTree>
+    <p:extLst>
+      <p:ext uri="{BB962C8B-B14F-4D97-AF65-F5344CB8AC3E}">
+        <p14:creationId xmlns:p14="http://schemas.microsoft.com/office/powerpoint/2010/main" val="1358544225"/>
+      </p:ext>
+    </p:extLst>
+  </p:cSld>
+  <p:clrMap bg1="lt1" tx1="dk1" bg2="lt2" tx2="dk2" accent1="accent1" accent2="accent2" accent3="accent3" accent4="accent4" accent5="accent5" accent6="accent6" hlink="hlink" folHlink="folHlink"/>
+  <p:notesStyle>
+    <a:lvl1pPr marL="0" algn="l" defTabSz="914400" rtl="0" eaLnBrk="1" latinLnBrk="0" hangingPunct="1">
+      <a:defRPr sz="1200" kern="1200">
+        <a:solidFill>
+          <a:schemeClr val="tx1"/>
+        </a:solidFill>
+        <a:latin typeface="+mn-lt"/>
+        <a:ea typeface="+mn-ea"/>
+        <a:cs typeface="+mn-cs"/>
+      </a:defRPr>
+    </a:lvl1pPr>
+    <a:lvl2pPr marL="457200" algn="l" defTabSz="914400" rtl="0" eaLnBrk="1" latinLnBrk="0" hangingPunct="1">
+      <a:defRPr sz="1200" kern="1200">
+        <a:solidFill>
+          <a:schemeClr val="tx1"/>
+        </a:solidFill>
+        <a:latin typeface="+mn-lt"/>
+        <a:ea typeface="+mn-ea"/>
+        <a:cs typeface="+mn-cs"/>
+      </a:defRPr>
+    </a:lvl2pPr>
+    <a:lvl3pPr marL="914400" algn="l" defTabSz="914400" rtl="0" eaLnBrk="1" latinLnBrk="0" hangingPunct="1">
+      <a:defRPr sz="1200" kern="1200">
+        <a:solidFill>
+          <a:schemeClr val="tx1"/>
+        </a:solidFill>
+        <a:latin typeface="+mn-lt"/>
+        <a:ea typeface="+mn-ea"/>
+        <a:cs typeface="+mn-cs"/>
+      </a:defRPr>
+    </a:lvl3pPr>
+    <a:lvl4pPr marL="1371600" algn="l" defTabSz="914400" rtl="0" eaLnBrk="1" latinLnBrk="0" hangingPunct="1">
+      <a:defRPr sz="1200" kern="1200">
+        <a:solidFill>
+          <a:schemeClr val="tx1"/>
+        </a:solidFill>
+        <a:latin typeface="+mn-lt"/>
+        <a:ea typeface="+mn-ea"/>
+        <a:cs typeface="+mn-cs"/>
+      </a:defRPr>
+    </a:lvl4pPr>
+    <a:lvl5pPr marL="1828800" algn="l" defTabSz="914400" rtl="0" eaLnBrk="1" latinLnBrk="0" hangingPunct="1">
+      <a:defRPr sz="1200" kern="1200">
+        <a:solidFill>
+          <a:schemeClr val="tx1"/>
+        </a:solidFill>
+        <a:latin typeface="+mn-lt"/>
+        <a:ea typeface="+mn-ea"/>
+        <a:cs typeface="+mn-cs"/>
+      </a:defRPr>
+    </a:lvl5pPr>
+    <a:lvl6pPr marL="2286000" algn="l" defTabSz="914400" rtl="0" eaLnBrk="1" latinLnBrk="0" hangingPunct="1">
+      <a:defRPr sz="1200" kern="1200">
+        <a:solidFill>
+          <a:schemeClr val="tx1"/>
+        </a:solidFill>
+        <a:latin typeface="+mn-lt"/>
+        <a:ea typeface="+mn-ea"/>
+        <a:cs typeface="+mn-cs"/>
+      </a:defRPr>
+    </a:lvl6pPr>
+    <a:lvl7pPr marL="2743200" algn="l" defTabSz="914400" rtl="0" eaLnBrk="1" latinLnBrk="0" hangingPunct="1">
+      <a:defRPr sz="1200" kern="1200">
+        <a:solidFill>
+          <a:schemeClr val="tx1"/>
+        </a:solidFill>
+        <a:latin typeface="+mn-lt"/>
+        <a:ea typeface="+mn-ea"/>
+        <a:cs typeface="+mn-cs"/>
+      </a:defRPr>
+    </a:lvl7pPr>
+    <a:lvl8pPr marL="3200400" algn="l" defTabSz="914400" rtl="0" eaLnBrk="1" latinLnBrk="0" hangingPunct="1">
+      <a:defRPr sz="1200" kern="1200">
+        <a:solidFill>
+          <a:schemeClr val="tx1"/>
+        </a:solidFill>
+        <a:latin typeface="+mn-lt"/>
+        <a:ea typeface="+mn-ea"/>
+        <a:cs typeface="+mn-cs"/>
+      </a:defRPr>
+    </a:lvl8pPr>
+    <a:lvl9pPr marL="3657600" algn="l" defTabSz="914400" rtl="0" eaLnBrk="1" latinLnBrk="0" hangingPunct="1">
+      <a:defRPr sz="1200" kern="1200">
+        <a:solidFill>
+          <a:schemeClr val="tx1"/>
+        </a:solidFill>
+        <a:latin typeface="+mn-lt"/>
+        <a:ea typeface="+mn-ea"/>
+        <a:cs typeface="+mn-cs"/>
+      </a:defRPr>
+    </a:lvl9pPr>
+  </p:notesStyle>
+</p:notesMaster>
+</file>
+
+<file path=ppt/notesSlides/notesSlide1.xml><?xml version="1.0" encoding="utf-8"?>
+<p:notes xmlns:a="http://schemas.openxmlformats.org/drawingml/2006/main" xmlns:r="http://schemas.openxmlformats.org/officeDocument/2006/relationships" xmlns:p="http://schemas.openxmlformats.org/presentationml/2006/main">
+  <p:cSld>
+    <p:spTree>
+      <p:nvGrpSpPr>
+        <p:cNvPr id="1" name=""/>
+        <p:cNvGrpSpPr/>
+        <p:nvPr/>
+      </p:nvGrpSpPr>
+      <p:grpSpPr>
+        <a:xfrm>
+          <a:off x="0" y="0"/>
+          <a:ext cx="0" cy="0"/>
+          <a:chOff x="0" y="0"/>
+          <a:chExt cx="0" cy="0"/>
+        </a:xfrm>
+      </p:grpSpPr>
+      <p:sp>
+        <p:nvSpPr>
+          <p:cNvPr id="2" name="Slide Image Placeholder 1"/>
+          <p:cNvSpPr>
+            <a:spLocks noGrp="1" noRot="1" noChangeAspect="1"/>
+          </p:cNvSpPr>
+          <p:nvPr>
+            <p:ph type="sldImg"/>
+          </p:nvPr>
+        </p:nvSpPr>
+        <p:spPr/>
+      </p:sp>
+      <p:sp>
+        <p:nvSpPr>
+          <p:cNvPr id="3" name="Notes Placeholder 2"/>
+          <p:cNvSpPr>
+            <a:spLocks noGrp="1"/>
+          </p:cNvSpPr>
+          <p:nvPr>
+            <p:ph type="body" idx="1"/>
+          </p:nvPr>
+        </p:nvSpPr>
+        <p:spPr/>
+        <p:txBody>
+          <a:bodyPr/>
+          <a:lstStyle/>
+          <a:p>
+            <a:r>
+              <a:rPr lang="en-CA" dirty="0"/>
+              <a:t>We chose to do our term project on frisbees because even though the yare simple to use ad that anyone can use them, the physics behind the flight of a frisbee is not as simple. </a:t>
+            </a:r>
+          </a:p>
+          <a:p>
+            <a:r>
+              <a:rPr lang="en-CA" dirty="0"/>
+              <a:t>With the rise of sports like ultimate frisbee and disk golf where the accuracy of shots as well as the distance at which it lands are important, we were wondering at which angle a frisbee should be thrown in order to reach a maximum distance. </a:t>
+            </a:r>
+          </a:p>
+        </p:txBody>
+      </p:sp>
+      <p:sp>
+        <p:nvSpPr>
+          <p:cNvPr id="4" name="Slide Number Placeholder 3"/>
+          <p:cNvSpPr>
+            <a:spLocks noGrp="1"/>
+          </p:cNvSpPr>
+          <p:nvPr>
+            <p:ph type="sldNum" sz="quarter" idx="5"/>
+          </p:nvPr>
+        </p:nvSpPr>
+        <p:spPr/>
+        <p:txBody>
+          <a:bodyPr/>
+          <a:lstStyle/>
+          <a:p>
+            <a:fld id="{19869EA4-DC60-4902-8F00-4A95F3B44FF2}" type="slidenum">
+              <a:rPr lang="en-CA" smtClean="0"/>
+              <a:t>2</a:t>
+            </a:fld>
+            <a:endParaRPr lang="en-CA"/>
+          </a:p>
+        </p:txBody>
+      </p:sp>
+    </p:spTree>
+    <p:extLst>
+      <p:ext uri="{BB962C8B-B14F-4D97-AF65-F5344CB8AC3E}">
+        <p14:creationId xmlns:p14="http://schemas.microsoft.com/office/powerpoint/2010/main" val="1109827253"/>
+      </p:ext>
+    </p:extLst>
+  </p:cSld>
+  <p:clrMapOvr>
+    <a:masterClrMapping/>
+  </p:clrMapOvr>
+</p:notes>
+</file>
+
+<file path=ppt/notesSlides/notesSlide2.xml><?xml version="1.0" encoding="utf-8"?>
+<p:notes xmlns:a="http://schemas.openxmlformats.org/drawingml/2006/main" xmlns:r="http://schemas.openxmlformats.org/officeDocument/2006/relationships" xmlns:p="http://schemas.openxmlformats.org/presentationml/2006/main">
+  <p:cSld>
+    <p:spTree>
+      <p:nvGrpSpPr>
+        <p:cNvPr id="1" name=""/>
+        <p:cNvGrpSpPr/>
+        <p:nvPr/>
+      </p:nvGrpSpPr>
+      <p:grpSpPr>
+        <a:xfrm>
+          <a:off x="0" y="0"/>
+          <a:ext cx="0" cy="0"/>
+          <a:chOff x="0" y="0"/>
+          <a:chExt cx="0" cy="0"/>
+        </a:xfrm>
+      </p:grpSpPr>
+      <p:sp>
+        <p:nvSpPr>
+          <p:cNvPr id="2" name="Slide Image Placeholder 1"/>
+          <p:cNvSpPr>
+            <a:spLocks noGrp="1" noRot="1" noChangeAspect="1"/>
+          </p:cNvSpPr>
+          <p:nvPr>
+            <p:ph type="sldImg"/>
+          </p:nvPr>
+        </p:nvSpPr>
+        <p:spPr/>
+      </p:sp>
+      <p:sp>
+        <p:nvSpPr>
+          <p:cNvPr id="3" name="Notes Placeholder 2"/>
+          <p:cNvSpPr>
+            <a:spLocks noGrp="1"/>
+          </p:cNvSpPr>
+          <p:nvPr>
+            <p:ph type="body" idx="1"/>
+          </p:nvPr>
+        </p:nvSpPr>
+        <p:spPr/>
+        <p:txBody>
+          <a:bodyPr/>
+          <a:lstStyle/>
+          <a:p>
+            <a:r>
+              <a:rPr lang="en-CA" dirty="0"/>
+              <a:t>So, our term project being an optimization, we used the golden search method which we already used previously this semester.</a:t>
+            </a:r>
+          </a:p>
+          <a:p>
+            <a:r>
+              <a:rPr lang="en-CA" dirty="0"/>
+              <a:t>The golden search allowed us to find the optimal angle of throw by taking in the distance reached as the angles it provided.</a:t>
+            </a:r>
+          </a:p>
+          <a:p>
+            <a:r>
+              <a:rPr lang="en-CA" dirty="0"/>
+              <a:t>To calculate the distance each throw generated, we used the </a:t>
+            </a:r>
+            <a:r>
+              <a:rPr lang="en-CA" dirty="0" err="1"/>
+              <a:t>euler’s</a:t>
+            </a:r>
+            <a:r>
+              <a:rPr lang="en-CA" dirty="0"/>
+              <a:t> method which takes into account the acceleration, the velocity, the angle, as well as the distance of the frisbee over time.</a:t>
+            </a:r>
+          </a:p>
+        </p:txBody>
+      </p:sp>
+      <p:sp>
+        <p:nvSpPr>
+          <p:cNvPr id="4" name="Slide Number Placeholder 3"/>
+          <p:cNvSpPr>
+            <a:spLocks noGrp="1"/>
+          </p:cNvSpPr>
+          <p:nvPr>
+            <p:ph type="sldNum" sz="quarter" idx="5"/>
+          </p:nvPr>
+        </p:nvSpPr>
+        <p:spPr/>
+        <p:txBody>
+          <a:bodyPr/>
+          <a:lstStyle/>
+          <a:p>
+            <a:fld id="{19869EA4-DC60-4902-8F00-4A95F3B44FF2}" type="slidenum">
+              <a:rPr lang="en-CA" smtClean="0"/>
+              <a:t>3</a:t>
+            </a:fld>
+            <a:endParaRPr lang="en-CA"/>
+          </a:p>
+        </p:txBody>
+      </p:sp>
+    </p:spTree>
+    <p:extLst>
+      <p:ext uri="{BB962C8B-B14F-4D97-AF65-F5344CB8AC3E}">
+        <p14:creationId xmlns:p14="http://schemas.microsoft.com/office/powerpoint/2010/main" val="3835411031"/>
+      </p:ext>
+    </p:extLst>
+  </p:cSld>
+  <p:clrMapOvr>
+    <a:masterClrMapping/>
+  </p:clrMapOvr>
+</p:notes>
+</file>
+
+<file path=ppt/notesSlides/notesSlide3.xml><?xml version="1.0" encoding="utf-8"?>
+<p:notes xmlns:a="http://schemas.openxmlformats.org/drawingml/2006/main" xmlns:r="http://schemas.openxmlformats.org/officeDocument/2006/relationships" xmlns:p="http://schemas.openxmlformats.org/presentationml/2006/main">
+  <p:cSld>
+    <p:spTree>
+      <p:nvGrpSpPr>
+        <p:cNvPr id="1" name=""/>
+        <p:cNvGrpSpPr/>
+        <p:nvPr/>
+      </p:nvGrpSpPr>
+      <p:grpSpPr>
+        <a:xfrm>
+          <a:off x="0" y="0"/>
+          <a:ext cx="0" cy="0"/>
+          <a:chOff x="0" y="0"/>
+          <a:chExt cx="0" cy="0"/>
+        </a:xfrm>
+      </p:grpSpPr>
+      <p:sp>
+        <p:nvSpPr>
+          <p:cNvPr id="2" name="Slide Image Placeholder 1"/>
+          <p:cNvSpPr>
+            <a:spLocks noGrp="1" noRot="1" noChangeAspect="1"/>
+          </p:cNvSpPr>
+          <p:nvPr>
+            <p:ph type="sldImg"/>
+          </p:nvPr>
+        </p:nvSpPr>
+        <p:spPr/>
+      </p:sp>
+      <p:sp>
+        <p:nvSpPr>
+          <p:cNvPr id="3" name="Notes Placeholder 2"/>
+          <p:cNvSpPr>
+            <a:spLocks noGrp="1"/>
+          </p:cNvSpPr>
+          <p:nvPr>
+            <p:ph type="body" idx="1"/>
+          </p:nvPr>
+        </p:nvSpPr>
+        <p:spPr/>
+        <p:txBody>
+          <a:bodyPr/>
+          <a:lstStyle/>
+          <a:p>
+            <a:endParaRPr lang="en-CA" dirty="0"/>
+          </a:p>
+          <a:p>
+            <a:r>
+              <a:rPr lang="en-CA" dirty="0"/>
+              <a:t>Equations</a:t>
+            </a:r>
+          </a:p>
+          <a:p>
+            <a:r>
+              <a:rPr lang="en-CA" dirty="0"/>
+              <a:t>Fluid mechanics (</a:t>
+            </a:r>
+          </a:p>
+          <a:p>
+            <a:r>
+              <a:rPr lang="en-CA" dirty="0"/>
+              <a:t>We assumed that the average velocity of throw to be 14 m/s</a:t>
+            </a:r>
+          </a:p>
+          <a:p>
+            <a:endParaRPr lang="en-CA" dirty="0"/>
+          </a:p>
+          <a:p>
+            <a:r>
+              <a:rPr lang="en-CA" dirty="0"/>
+              <a:t>So, to be able to calculate the acceleration of the frisbee over time, different factors have to be taken into account:</a:t>
+            </a:r>
+          </a:p>
+          <a:p>
+            <a:r>
+              <a:rPr lang="en-CA" dirty="0"/>
+              <a:t>The drag force is a force parallel to the velocity of the frisbee but in opposite direction whereas the lift for is perpendicular to the velocity.</a:t>
+            </a:r>
+          </a:p>
+          <a:p>
+            <a:r>
+              <a:rPr lang="en-CA" dirty="0"/>
+              <a:t>Both forces are influence by the </a:t>
+            </a:r>
+          </a:p>
+        </p:txBody>
+      </p:sp>
+      <p:sp>
+        <p:nvSpPr>
+          <p:cNvPr id="4" name="Slide Number Placeholder 3"/>
+          <p:cNvSpPr>
+            <a:spLocks noGrp="1"/>
+          </p:cNvSpPr>
+          <p:nvPr>
+            <p:ph type="sldNum" sz="quarter" idx="5"/>
+          </p:nvPr>
+        </p:nvSpPr>
+        <p:spPr/>
+        <p:txBody>
+          <a:bodyPr/>
+          <a:lstStyle/>
+          <a:p>
+            <a:fld id="{19869EA4-DC60-4902-8F00-4A95F3B44FF2}" type="slidenum">
+              <a:rPr lang="en-CA" smtClean="0"/>
+              <a:t>4</a:t>
+            </a:fld>
+            <a:endParaRPr lang="en-CA"/>
+          </a:p>
+        </p:txBody>
+      </p:sp>
+    </p:spTree>
+    <p:extLst>
+      <p:ext uri="{BB962C8B-B14F-4D97-AF65-F5344CB8AC3E}">
+        <p14:creationId xmlns:p14="http://schemas.microsoft.com/office/powerpoint/2010/main" val="3180759589"/>
+      </p:ext>
+    </p:extLst>
+  </p:cSld>
+  <p:clrMapOvr>
+    <a:masterClrMapping/>
+  </p:clrMapOvr>
+</p:notes>
 </file>
 
 <file path=ppt/slideLayouts/slideLayout1.xml><?xml version="1.0" encoding="utf-8"?>
@@ -339,7 +1021,7 @@
             <a:fld id="{B61BEF0D-F0BB-DE4B-95CE-6DB70DBA9567}" type="datetimeFigureOut">
               <a:rPr lang="en-US" dirty="0"/>
               <a:pPr/>
-              <a:t>5/15/19</a:t>
+              <a:t>5/16/2019</a:t>
             </a:fld>
             <a:endParaRPr lang="en-US" dirty="0"/>
           </a:p>
@@ -670,7 +1352,7 @@
             <a:fld id="{B61BEF0D-F0BB-DE4B-95CE-6DB70DBA9567}" type="datetimeFigureOut">
               <a:rPr lang="en-US" dirty="0"/>
               <a:pPr/>
-              <a:t>5/15/19</a:t>
+              <a:t>5/16/2019</a:t>
             </a:fld>
             <a:endParaRPr lang="en-US" dirty="0"/>
           </a:p>
@@ -945,7 +1627,7 @@
             <a:fld id="{B61BEF0D-F0BB-DE4B-95CE-6DB70DBA9567}" type="datetimeFigureOut">
               <a:rPr lang="en-US" dirty="0"/>
               <a:pPr/>
-              <a:t>5/15/19</a:t>
+              <a:t>5/16/2019</a:t>
             </a:fld>
             <a:endParaRPr lang="en-US" dirty="0"/>
           </a:p>
@@ -1510,7 +2192,7 @@
             <a:fld id="{B61BEF0D-F0BB-DE4B-95CE-6DB70DBA9567}" type="datetimeFigureOut">
               <a:rPr lang="en-US" dirty="0"/>
               <a:pPr/>
-              <a:t>5/15/19</a:t>
+              <a:t>5/16/2019</a:t>
             </a:fld>
             <a:endParaRPr lang="en-US" dirty="0"/>
           </a:p>
@@ -1785,7 +2467,7 @@
             <a:fld id="{B61BEF0D-F0BB-DE4B-95CE-6DB70DBA9567}" type="datetimeFigureOut">
               <a:rPr lang="en-US" dirty="0"/>
               <a:pPr/>
-              <a:t>5/15/19</a:t>
+              <a:t>5/16/2019</a:t>
             </a:fld>
             <a:endParaRPr lang="en-US" dirty="0"/>
           </a:p>
@@ -2344,7 +3026,7 @@
             <a:fld id="{B61BEF0D-F0BB-DE4B-95CE-6DB70DBA9567}" type="datetimeFigureOut">
               <a:rPr lang="en-US" dirty="0"/>
               <a:pPr/>
-              <a:t>5/15/19</a:t>
+              <a:t>5/16/2019</a:t>
             </a:fld>
             <a:endParaRPr lang="en-US" dirty="0"/>
           </a:p>
@@ -2668,7 +3350,7 @@
             <a:fld id="{B61BEF0D-F0BB-DE4B-95CE-6DB70DBA9567}" type="datetimeFigureOut">
               <a:rPr lang="en-US" dirty="0"/>
               <a:pPr/>
-              <a:t>5/15/19</a:t>
+              <a:t>5/16/2019</a:t>
             </a:fld>
             <a:endParaRPr lang="en-US" dirty="0"/>
           </a:p>
@@ -2842,7 +3524,7 @@
             <a:fld id="{B61BEF0D-F0BB-DE4B-95CE-6DB70DBA9567}" type="datetimeFigureOut">
               <a:rPr lang="en-US" dirty="0"/>
               <a:pPr/>
-              <a:t>5/15/19</a:t>
+              <a:t>5/16/2019</a:t>
             </a:fld>
             <a:endParaRPr lang="en-US" dirty="0"/>
           </a:p>
@@ -3077,7 +3759,7 @@
             <a:fld id="{B61BEF0D-F0BB-DE4B-95CE-6DB70DBA9567}" type="datetimeFigureOut">
               <a:rPr lang="en-US" dirty="0"/>
               <a:pPr/>
-              <a:t>5/15/19</a:t>
+              <a:t>5/16/2019</a:t>
             </a:fld>
             <a:endParaRPr lang="en-US" dirty="0"/>
           </a:p>
@@ -3274,7 +3956,7 @@
             <a:fld id="{B61BEF0D-F0BB-DE4B-95CE-6DB70DBA9567}" type="datetimeFigureOut">
               <a:rPr lang="en-US" dirty="0"/>
               <a:pPr/>
-              <a:t>5/15/19</a:t>
+              <a:t>5/16/2019</a:t>
             </a:fld>
             <a:endParaRPr lang="en-US" dirty="0"/>
           </a:p>
@@ -3547,7 +4229,7 @@
             <a:fld id="{B61BEF0D-F0BB-DE4B-95CE-6DB70DBA9567}" type="datetimeFigureOut">
               <a:rPr lang="en-US" dirty="0"/>
               <a:pPr/>
-              <a:t>5/15/19</a:t>
+              <a:t>5/16/2019</a:t>
             </a:fld>
             <a:endParaRPr lang="en-US" dirty="0"/>
           </a:p>
@@ -3810,7 +4492,7 @@
             <a:fld id="{B61BEF0D-F0BB-DE4B-95CE-6DB70DBA9567}" type="datetimeFigureOut">
               <a:rPr lang="en-US" dirty="0"/>
               <a:pPr/>
-              <a:t>5/15/19</a:t>
+              <a:t>5/16/2019</a:t>
             </a:fld>
             <a:endParaRPr lang="en-US" dirty="0"/>
           </a:p>
@@ -4181,7 +4863,7 @@
             <a:fld id="{B61BEF0D-F0BB-DE4B-95CE-6DB70DBA9567}" type="datetimeFigureOut">
               <a:rPr lang="en-US" dirty="0"/>
               <a:pPr/>
-              <a:t>5/15/19</a:t>
+              <a:t>5/16/2019</a:t>
             </a:fld>
             <a:endParaRPr lang="en-US" dirty="0"/>
           </a:p>
@@ -4326,7 +5008,7 @@
             <a:fld id="{B61BEF0D-F0BB-DE4B-95CE-6DB70DBA9567}" type="datetimeFigureOut">
               <a:rPr lang="en-US" dirty="0"/>
               <a:pPr/>
-              <a:t>5/15/19</a:t>
+              <a:t>5/16/2019</a:t>
             </a:fld>
             <a:endParaRPr lang="en-US" dirty="0"/>
           </a:p>
@@ -4448,7 +5130,7 @@
             <a:fld id="{B61BEF0D-F0BB-DE4B-95CE-6DB70DBA9567}" type="datetimeFigureOut">
               <a:rPr lang="en-US" dirty="0"/>
               <a:pPr/>
-              <a:t>5/15/19</a:t>
+              <a:t>5/16/2019</a:t>
             </a:fld>
             <a:endParaRPr lang="en-US" dirty="0"/>
           </a:p>
@@ -4730,7 +5412,7 @@
             <a:fld id="{B61BEF0D-F0BB-DE4B-95CE-6DB70DBA9567}" type="datetimeFigureOut">
               <a:rPr lang="en-US" dirty="0"/>
               <a:pPr/>
-              <a:t>5/15/19</a:t>
+              <a:t>5/16/2019</a:t>
             </a:fld>
             <a:endParaRPr lang="en-US" dirty="0"/>
           </a:p>
@@ -5051,7 +5733,7 @@
             <a:fld id="{B61BEF0D-F0BB-DE4B-95CE-6DB70DBA9567}" type="datetimeFigureOut">
               <a:rPr lang="en-US" dirty="0"/>
               <a:pPr/>
-              <a:t>5/15/19</a:t>
+              <a:t>5/16/2019</a:t>
             </a:fld>
             <a:endParaRPr lang="en-US" dirty="0"/>
           </a:p>
@@ -5262,7 +5944,7 @@
             <a:fld id="{B61BEF0D-F0BB-DE4B-95CE-6DB70DBA9567}" type="datetimeFigureOut">
               <a:rPr lang="en-US" dirty="0"/>
               <a:pPr/>
-              <a:t>5/15/19</a:t>
+              <a:t>5/16/2019</a:t>
             </a:fld>
             <a:endParaRPr lang="en-US" dirty="0"/>
           </a:p>
@@ -5846,7 +6528,7 @@
     <p:bg>
       <p:bgPr>
         <a:blipFill>
-          <a:blip r:embed="rId2">
+          <a:blip r:embed="rId3">
             <a:extLst/>
           </a:blip>
           <a:stretch/>
@@ -5897,7 +6579,7 @@
           <a:lstStyle/>
           <a:p>
             <a:r>
-              <a:rPr lang="en-US"/>
+              <a:rPr lang="en-US" dirty="0"/>
               <a:t>our project</a:t>
             </a:r>
           </a:p>
@@ -5942,10 +6624,27 @@
               <a:buChar char="•"/>
             </a:pPr>
             <a:r>
+              <a:rPr lang="en-CA" sz="3600" dirty="0"/>
+              <a:t>At which angle should we throw a frisbee in order to reach a maximum distance?</a:t>
+            </a:r>
+          </a:p>
+          <a:p>
+            <a:pPr marL="285750" indent="-285750">
+              <a:spcAft>
+                <a:spcPts val="1000"/>
+              </a:spcAft>
+              <a:buClr>
+                <a:schemeClr val="tx1"/>
+              </a:buClr>
+              <a:buSzPct val="100000"/>
+              <a:buFont typeface="Arial"/>
+              <a:buChar char="•"/>
+            </a:pPr>
+            <a:r>
               <a:rPr lang="en-US" sz="3600" dirty="0">
                 <a:latin typeface="Bell MT" panose="02020503060305020303" pitchFamily="18" charset="77"/>
               </a:rPr>
-              <a:t>What is the best possible angle of attack at which we can throw a frisbee to make sure we get the maximum flight distance ? </a:t>
+              <a:t> </a:t>
             </a:r>
           </a:p>
         </p:txBody>
@@ -5965,7 +6664,7 @@
           <p:nvPr/>
         </p:nvPicPr>
         <p:blipFill>
-          <a:blip r:embed="rId3"/>
+          <a:blip r:embed="rId4"/>
           <a:stretch>
             <a:fillRect/>
           </a:stretch>
@@ -6031,7 +6730,10 @@
           <a:bodyPr/>
           <a:lstStyle/>
           <a:p>
-            <a:endParaRPr lang="fr-CA" dirty="0"/>
+            <a:r>
+              <a:rPr lang="fr-CA" dirty="0"/>
+              <a:t>Model</a:t>
+            </a:r>
           </a:p>
         </p:txBody>
       </p:sp>
@@ -6053,10 +6755,45 @@
         </p:nvSpPr>
         <p:spPr/>
         <p:txBody>
-          <a:bodyPr/>
-          <a:lstStyle/>
-          <a:p>
-            <a:endParaRPr lang="fr-CA"/>
+          <a:bodyPr>
+            <a:normAutofit/>
+          </a:bodyPr>
+          <a:lstStyle/>
+          <a:p>
+            <a:r>
+              <a:rPr lang="fr-CA" sz="3600" dirty="0" err="1"/>
+              <a:t>Euler’s</a:t>
+            </a:r>
+            <a:r>
+              <a:rPr lang="fr-CA" sz="3600" dirty="0"/>
+              <a:t> </a:t>
+            </a:r>
+            <a:r>
+              <a:rPr lang="fr-CA" sz="3600" dirty="0" err="1"/>
+              <a:t>method</a:t>
+            </a:r>
+            <a:endParaRPr lang="fr-CA" sz="3600" dirty="0"/>
+          </a:p>
+          <a:p>
+            <a:r>
+              <a:rPr lang="fr-CA" sz="3600" dirty="0"/>
+              <a:t>Golden </a:t>
+            </a:r>
+            <a:r>
+              <a:rPr lang="fr-CA" sz="3600" dirty="0" err="1"/>
+              <a:t>search</a:t>
+            </a:r>
+            <a:endParaRPr lang="fr-CA" sz="3600" dirty="0"/>
+          </a:p>
+          <a:p>
+            <a:r>
+              <a:rPr lang="fr-CA" sz="3600" dirty="0" err="1"/>
+              <a:t>Optimization</a:t>
+            </a:r>
+            <a:endParaRPr lang="fr-CA" sz="3600" dirty="0"/>
+          </a:p>
+          <a:p>
+            <a:endParaRPr lang="fr-CA" sz="3600" dirty="0"/>
           </a:p>
         </p:txBody>
       </p:sp>
@@ -6064,6 +6801,385 @@
     <p:extLst>
       <p:ext uri="{BB962C8B-B14F-4D97-AF65-F5344CB8AC3E}">
         <p14:creationId xmlns:p14="http://schemas.microsoft.com/office/powerpoint/2010/main" val="485558502"/>
+      </p:ext>
+    </p:extLst>
+  </p:cSld>
+  <p:clrMapOvr>
+    <a:masterClrMapping/>
+  </p:clrMapOvr>
+</p:sld>
+</file>
+
+<file path=ppt/slides/slide4.xml><?xml version="1.0" encoding="utf-8"?>
+<p:sld xmlns:a="http://schemas.openxmlformats.org/drawingml/2006/main" xmlns:r="http://schemas.openxmlformats.org/officeDocument/2006/relationships" xmlns:p="http://schemas.openxmlformats.org/presentationml/2006/main">
+  <p:cSld>
+    <p:bg>
+      <p:bgPr>
+        <a:blipFill>
+          <a:blip r:embed="rId3">
+            <a:extLst/>
+          </a:blip>
+          <a:stretch/>
+        </a:blipFill>
+        <a:effectLst/>
+      </p:bgPr>
+    </p:bg>
+    <p:spTree>
+      <p:nvGrpSpPr>
+        <p:cNvPr id="1" name=""/>
+        <p:cNvGrpSpPr/>
+        <p:nvPr/>
+      </p:nvGrpSpPr>
+      <p:grpSpPr>
+        <a:xfrm>
+          <a:off x="0" y="0"/>
+          <a:ext cx="0" cy="0"/>
+          <a:chOff x="0" y="0"/>
+          <a:chExt cx="0" cy="0"/>
+        </a:xfrm>
+      </p:grpSpPr>
+      <p:sp>
+        <p:nvSpPr>
+          <p:cNvPr id="2" name="Title 1">
+            <a:extLst>
+              <a:ext uri="{FF2B5EF4-FFF2-40B4-BE49-F238E27FC236}">
+                <a16:creationId xmlns:a16="http://schemas.microsoft.com/office/drawing/2014/main" id="{27ED3F07-6859-4D8D-9095-5B29A9FDF93E}"/>
+              </a:ext>
+            </a:extLst>
+          </p:cNvPr>
+          <p:cNvSpPr>
+            <a:spLocks noGrp="1"/>
+          </p:cNvSpPr>
+          <p:nvPr>
+            <p:ph type="title"/>
+          </p:nvPr>
+        </p:nvSpPr>
+        <p:spPr>
+          <a:xfrm>
+            <a:off x="825909" y="808055"/>
+            <a:ext cx="3979205" cy="1453363"/>
+          </a:xfrm>
+        </p:spPr>
+        <p:txBody>
+          <a:bodyPr>
+            <a:normAutofit/>
+          </a:bodyPr>
+          <a:lstStyle/>
+          <a:p>
+            <a:r>
+              <a:rPr lang="en-CA" dirty="0"/>
+              <a:t>Theory</a:t>
+            </a:r>
+          </a:p>
+        </p:txBody>
+      </p:sp>
+      <mc:AlternateContent xmlns:mc="http://schemas.openxmlformats.org/markup-compatibility/2006">
+        <mc:Choice xmlns:a14="http://schemas.microsoft.com/office/drawing/2010/main" Requires="a14">
+          <p:sp>
+            <p:nvSpPr>
+              <p:cNvPr id="3" name="Content Placeholder 2">
+                <a:extLst>
+                  <a:ext uri="{FF2B5EF4-FFF2-40B4-BE49-F238E27FC236}">
+                    <a16:creationId xmlns:a16="http://schemas.microsoft.com/office/drawing/2014/main" id="{E6F990FB-AA43-424D-8E46-60307114A20D}"/>
+                  </a:ext>
+                </a:extLst>
+              </p:cNvPr>
+              <p:cNvSpPr>
+                <a:spLocks noGrp="1"/>
+              </p:cNvSpPr>
+              <p:nvPr>
+                <p:ph idx="1"/>
+              </p:nvPr>
+            </p:nvSpPr>
+            <p:spPr>
+              <a:xfrm>
+                <a:off x="802178" y="2261420"/>
+                <a:ext cx="4002936" cy="3637935"/>
+              </a:xfrm>
+            </p:spPr>
+            <p:txBody>
+              <a:bodyPr>
+                <a:normAutofit/>
+              </a:bodyPr>
+              <a:lstStyle/>
+              <a:p>
+                <a:r>
+                  <a:rPr lang="en-CA" sz="3600" dirty="0"/>
+                  <a:t>Drag force</a:t>
+                </a:r>
+              </a:p>
+              <a:p>
+                <a:pPr marL="0" indent="0">
+                  <a:buNone/>
+                </a:pPr>
+                <a14:m>
+                  <m:oMathPara xmlns:m="http://schemas.openxmlformats.org/officeDocument/2006/math">
+                    <m:oMathParaPr>
+                      <m:jc m:val="centerGroup"/>
+                    </m:oMathParaPr>
+                    <m:oMath xmlns:m="http://schemas.openxmlformats.org/officeDocument/2006/math">
+                      <m:r>
+                        <a:rPr lang="en-CA" sz="2800" i="1"/>
+                        <m:t>𝐹𝑑</m:t>
+                      </m:r>
+                      <m:r>
+                        <a:rPr lang="en-CA" sz="2800" i="1"/>
+                        <m:t>=− </m:t>
+                      </m:r>
+                      <m:f>
+                        <m:fPr>
+                          <m:ctrlPr>
+                            <a:rPr lang="en-CA" sz="2800" i="1"/>
+                          </m:ctrlPr>
+                        </m:fPr>
+                        <m:num>
+                          <m:r>
+                            <a:rPr lang="en-CA" sz="2800" i="1"/>
+                            <m:t>1</m:t>
+                          </m:r>
+                        </m:num>
+                        <m:den>
+                          <m:r>
+                            <a:rPr lang="en-CA" sz="2800" i="1"/>
+                            <m:t>2 </m:t>
+                          </m:r>
+                        </m:den>
+                      </m:f>
+                      <m:r>
+                        <a:rPr lang="en-CA" sz="2800" i="1"/>
+                        <m:t>𝐶𝑑</m:t>
+                      </m:r>
+                      <m:r>
+                        <a:rPr lang="en-CA" sz="2800" i="1"/>
+                        <m:t>𝜌</m:t>
+                      </m:r>
+                      <m:r>
+                        <a:rPr lang="en-CA" sz="2800" i="1"/>
+                        <m:t>𝐴</m:t>
+                      </m:r>
+                      <m:sSup>
+                        <m:sSupPr>
+                          <m:ctrlPr>
+                            <a:rPr lang="en-CA" sz="2800" i="1"/>
+                          </m:ctrlPr>
+                        </m:sSupPr>
+                        <m:e>
+                          <m:r>
+                            <a:rPr lang="en-CA" sz="2800" i="1"/>
+                            <m:t>𝑣</m:t>
+                          </m:r>
+                        </m:e>
+                        <m:sup>
+                          <m:r>
+                            <a:rPr lang="en-CA" sz="2800" i="1"/>
+                            <m:t>2</m:t>
+                          </m:r>
+                        </m:sup>
+                      </m:sSup>
+                    </m:oMath>
+                  </m:oMathPara>
+                </a14:m>
+                <a:endParaRPr lang="en-CA" sz="2800" dirty="0"/>
+              </a:p>
+              <a:p>
+                <a:r>
+                  <a:rPr lang="en-CA" sz="3600" dirty="0"/>
+                  <a:t>Lift force</a:t>
+                </a:r>
+              </a:p>
+              <a:p>
+                <a:pPr marL="0" indent="0">
+                  <a:buNone/>
+                </a:pPr>
+                <a14:m>
+                  <m:oMathPara xmlns:m="http://schemas.openxmlformats.org/officeDocument/2006/math">
+                    <m:oMathParaPr>
+                      <m:jc m:val="centerGroup"/>
+                    </m:oMathParaPr>
+                    <m:oMath xmlns:m="http://schemas.openxmlformats.org/officeDocument/2006/math">
+                      <m:r>
+                        <a:rPr lang="en-CA" sz="2800" i="1"/>
+                        <m:t>𝐹𝑙</m:t>
+                      </m:r>
+                      <m:r>
+                        <a:rPr lang="en-CA" sz="2800" i="1"/>
+                        <m:t>= </m:t>
+                      </m:r>
+                      <m:f>
+                        <m:fPr>
+                          <m:ctrlPr>
+                            <a:rPr lang="en-CA" sz="2800" i="1"/>
+                          </m:ctrlPr>
+                        </m:fPr>
+                        <m:num>
+                          <m:r>
+                            <a:rPr lang="en-CA" sz="2800" i="1"/>
+                            <m:t>1</m:t>
+                          </m:r>
+                        </m:num>
+                        <m:den>
+                          <m:r>
+                            <a:rPr lang="en-CA" sz="2800" i="1"/>
+                            <m:t>2 </m:t>
+                          </m:r>
+                        </m:den>
+                      </m:f>
+                      <m:r>
+                        <a:rPr lang="en-CA" sz="2800" i="1"/>
+                        <m:t>𝐶𝑙</m:t>
+                      </m:r>
+                      <m:r>
+                        <a:rPr lang="en-CA" sz="2800" i="1"/>
+                        <m:t>𝜌</m:t>
+                      </m:r>
+                      <m:r>
+                        <a:rPr lang="en-CA" sz="2800" i="1"/>
+                        <m:t>𝐴</m:t>
+                      </m:r>
+                      <m:sSup>
+                        <m:sSupPr>
+                          <m:ctrlPr>
+                            <a:rPr lang="en-CA" sz="2800" i="1"/>
+                          </m:ctrlPr>
+                        </m:sSupPr>
+                        <m:e>
+                          <m:r>
+                            <a:rPr lang="en-CA" sz="2800" i="1"/>
+                            <m:t>𝑣</m:t>
+                          </m:r>
+                        </m:e>
+                        <m:sup>
+                          <m:r>
+                            <a:rPr lang="en-CA" sz="2800" i="1"/>
+                            <m:t>2</m:t>
+                          </m:r>
+                        </m:sup>
+                      </m:sSup>
+                      <m:r>
+                        <a:rPr lang="en-CA" sz="2800" i="1"/>
+                        <m:t> </m:t>
+                      </m:r>
+                    </m:oMath>
+                  </m:oMathPara>
+                </a14:m>
+                <a:endParaRPr lang="en-CA" sz="3000" dirty="0"/>
+              </a:p>
+              <a:p>
+                <a:endParaRPr lang="en-CA" sz="3600" dirty="0"/>
+              </a:p>
+            </p:txBody>
+          </p:sp>
+        </mc:Choice>
+        <mc:Fallback>
+          <p:sp>
+            <p:nvSpPr>
+              <p:cNvPr id="3" name="Content Placeholder 2">
+                <a:extLst>
+                  <a:ext uri="{FF2B5EF4-FFF2-40B4-BE49-F238E27FC236}">
+                    <a16:creationId xmlns:a16="http://schemas.microsoft.com/office/drawing/2014/main" id="{E6F990FB-AA43-424D-8E46-60307114A20D}"/>
+                  </a:ext>
+                </a:extLst>
+              </p:cNvPr>
+              <p:cNvSpPr>
+                <a:spLocks noGrp="1" noRot="1" noChangeAspect="1" noMove="1" noResize="1" noEditPoints="1" noAdjustHandles="1" noChangeArrowheads="1" noChangeShapeType="1" noTextEdit="1"/>
+              </p:cNvSpPr>
+              <p:nvPr>
+                <p:ph idx="1"/>
+              </p:nvPr>
+            </p:nvSpPr>
+            <p:spPr>
+              <a:xfrm>
+                <a:off x="802178" y="2261420"/>
+                <a:ext cx="4002936" cy="3637935"/>
+              </a:xfrm>
+              <a:blipFill>
+                <a:blip r:embed="rId4"/>
+                <a:stretch>
+                  <a:fillRect l="-4268" t="-5360"/>
+                </a:stretch>
+              </a:blipFill>
+            </p:spPr>
+            <p:txBody>
+              <a:bodyPr/>
+              <a:lstStyle/>
+              <a:p>
+                <a:r>
+                  <a:rPr lang="en-CA">
+                    <a:noFill/>
+                  </a:rPr>
+                  <a:t> </a:t>
+                </a:r>
+              </a:p>
+            </p:txBody>
+          </p:sp>
+        </mc:Fallback>
+      </mc:AlternateContent>
+      <p:pic>
+        <p:nvPicPr>
+          <p:cNvPr id="4" name="Picture 3">
+            <a:extLst>
+              <a:ext uri="{FF2B5EF4-FFF2-40B4-BE49-F238E27FC236}">
+                <a16:creationId xmlns:a16="http://schemas.microsoft.com/office/drawing/2014/main" id="{40C254CC-8756-45DC-9D51-A8FCEC6C81D7}"/>
+              </a:ext>
+            </a:extLst>
+          </p:cNvPr>
+          <p:cNvPicPr/>
+          <p:nvPr/>
+        </p:nvPicPr>
+        <p:blipFill>
+          <a:blip r:embed="rId5">
+            <a:extLst>
+              <a:ext uri="{28A0092B-C50C-407E-A947-70E740481C1C}">
+                <a14:useLocalDpi xmlns:a14="http://schemas.microsoft.com/office/drawing/2010/main" val="0"/>
+              </a:ext>
+            </a:extLst>
+          </a:blip>
+          <a:stretch>
+            <a:fillRect/>
+          </a:stretch>
+        </p:blipFill>
+        <p:spPr>
+          <a:xfrm>
+            <a:off x="5289752" y="1352963"/>
+            <a:ext cx="6095593" cy="3989842"/>
+          </a:xfrm>
+          <a:prstGeom prst="roundRect">
+            <a:avLst>
+              <a:gd name="adj" fmla="val 4380"/>
+            </a:avLst>
+          </a:prstGeom>
+          <a:ln w="50800" cap="sq" cmpd="dbl">
+            <a:gradFill flip="none" rotWithShape="1">
+              <a:gsLst>
+                <a:gs pos="0">
+                  <a:srgbClr val="FFFFFF"/>
+                </a:gs>
+                <a:gs pos="100000">
+                  <a:schemeClr val="tx1">
+                    <a:alpha val="0"/>
+                  </a:schemeClr>
+                </a:gs>
+              </a:gsLst>
+              <a:path path="circle">
+                <a:fillToRect l="50000" t="50000" r="50000" b="50000"/>
+              </a:path>
+              <a:tileRect/>
+            </a:gradFill>
+            <a:miter lim="800000"/>
+          </a:ln>
+          <a:effectLst>
+            <a:outerShdw blurRad="254000" algn="tl" rotWithShape="0">
+              <a:srgbClr val="000000">
+                <a:alpha val="43000"/>
+              </a:srgbClr>
+            </a:outerShdw>
+          </a:effectLst>
+        </p:spPr>
+      </p:pic>
+    </p:spTree>
+    <p:extLst>
+      <p:ext uri="{BB962C8B-B14F-4D97-AF65-F5344CB8AC3E}">
+        <p14:creationId xmlns:p14="http://schemas.microsoft.com/office/powerpoint/2010/main" val="1551146511"/>
       </p:ext>
     </p:extLst>
   </p:cSld>
@@ -6320,4 +7436,299 @@
     </a:ext>
   </a:extLst>
 </a:theme>
+</file>
+
+<file path=ppt/theme/theme2.xml><?xml version="1.0" encoding="utf-8"?>
+<a:theme xmlns:a="http://schemas.openxmlformats.org/drawingml/2006/main" name="Office Theme">
+  <a:themeElements>
+    <a:clrScheme name="Office">
+      <a:dk1>
+        <a:sysClr val="windowText" lastClr="000000"/>
+      </a:dk1>
+      <a:lt1>
+        <a:sysClr val="window" lastClr="FFFFFF"/>
+      </a:lt1>
+      <a:dk2>
+        <a:srgbClr val="44546A"/>
+      </a:dk2>
+      <a:lt2>
+        <a:srgbClr val="E7E6E6"/>
+      </a:lt2>
+      <a:accent1>
+        <a:srgbClr val="4472C4"/>
+      </a:accent1>
+      <a:accent2>
+        <a:srgbClr val="ED7D31"/>
+      </a:accent2>
+      <a:accent3>
+        <a:srgbClr val="A5A5A5"/>
+      </a:accent3>
+      <a:accent4>
+        <a:srgbClr val="FFC000"/>
+      </a:accent4>
+      <a:accent5>
+        <a:srgbClr val="5B9BD5"/>
+      </a:accent5>
+      <a:accent6>
+        <a:srgbClr val="70AD47"/>
+      </a:accent6>
+      <a:hlink>
+        <a:srgbClr val="0563C1"/>
+      </a:hlink>
+      <a:folHlink>
+        <a:srgbClr val="954F72"/>
+      </a:folHlink>
+    </a:clrScheme>
+    <a:fontScheme name="Office">
+      <a:majorFont>
+        <a:latin typeface="Calibri Light" panose="020F0302020204030204"/>
+        <a:ea typeface=""/>
+        <a:cs typeface=""/>
+        <a:font script="Jpan" typeface="游ゴシック Light"/>
+        <a:font script="Hang" typeface="맑은 고딕"/>
+        <a:font script="Hans" typeface="等线 Light"/>
+        <a:font script="Hant" typeface="新細明體"/>
+        <a:font script="Arab" typeface="Times New Roman"/>
+        <a:font script="Hebr" typeface="Times New Roman"/>
+        <a:font script="Thai" typeface="Angsana New"/>
+        <a:font script="Ethi" typeface="Nyala"/>
+        <a:font script="Beng" typeface="Vrinda"/>
+        <a:font script="Gujr" typeface="Shruti"/>
+        <a:font script="Khmr" typeface="MoolBoran"/>
+        <a:font script="Knda" typeface="Tunga"/>
+        <a:font script="Guru" typeface="Raavi"/>
+        <a:font script="Cans" typeface="Euphemia"/>
+        <a:font script="Cher" typeface="Plantagenet Cherokee"/>
+        <a:font script="Yiii" typeface="Microsoft Yi Baiti"/>
+        <a:font script="Tibt" typeface="Microsoft Himalaya"/>
+        <a:font script="Thaa" typeface="MV Boli"/>
+        <a:font script="Deva" typeface="Mangal"/>
+        <a:font script="Telu" typeface="Gautami"/>
+        <a:font script="Taml" typeface="Latha"/>
+        <a:font script="Syrc" typeface="Estrangelo Edessa"/>
+        <a:font script="Orya" typeface="Kalinga"/>
+        <a:font script="Mlym" typeface="Kartika"/>
+        <a:font script="Laoo" typeface="DokChampa"/>
+        <a:font script="Sinh" typeface="Iskoola Pota"/>
+        <a:font script="Mong" typeface="Mongolian Baiti"/>
+        <a:font script="Viet" typeface="Times New Roman"/>
+        <a:font script="Uigh" typeface="Microsoft Uighur"/>
+        <a:font script="Geor" typeface="Sylfaen"/>
+        <a:font script="Armn" typeface="Arial"/>
+        <a:font script="Bugi" typeface="Leelawadee UI"/>
+        <a:font script="Bopo" typeface="Microsoft JhengHei"/>
+        <a:font script="Java" typeface="Javanese Text"/>
+        <a:font script="Lisu" typeface="Segoe UI"/>
+        <a:font script="Mymr" typeface="Myanmar Text"/>
+        <a:font script="Nkoo" typeface="Ebrima"/>
+        <a:font script="Olck" typeface="Nirmala UI"/>
+        <a:font script="Osma" typeface="Ebrima"/>
+        <a:font script="Phag" typeface="Phagspa"/>
+        <a:font script="Syrn" typeface="Estrangelo Edessa"/>
+        <a:font script="Syrj" typeface="Estrangelo Edessa"/>
+        <a:font script="Syre" typeface="Estrangelo Edessa"/>
+        <a:font script="Sora" typeface="Nirmala UI"/>
+        <a:font script="Tale" typeface="Microsoft Tai Le"/>
+        <a:font script="Talu" typeface="Microsoft New Tai Lue"/>
+        <a:font script="Tfng" typeface="Ebrima"/>
+      </a:majorFont>
+      <a:minorFont>
+        <a:latin typeface="Calibri" panose="020F0502020204030204"/>
+        <a:ea typeface=""/>
+        <a:cs typeface=""/>
+        <a:font script="Jpan" typeface="游ゴシック"/>
+        <a:font script="Hang" typeface="맑은 고딕"/>
+        <a:font script="Hans" typeface="等线"/>
+        <a:font script="Hant" typeface="新細明體"/>
+        <a:font script="Arab" typeface="Arial"/>
+        <a:font script="Hebr" typeface="Arial"/>
+        <a:font script="Thai" typeface="Cordia New"/>
+        <a:font script="Ethi" typeface="Nyala"/>
+        <a:font script="Beng" typeface="Vrinda"/>
+        <a:font script="Gujr" typeface="Shruti"/>
+        <a:font script="Khmr" typeface="DaunPenh"/>
+        <a:font script="Knda" typeface="Tunga"/>
+        <a:font script="Guru" typeface="Raavi"/>
+        <a:font script="Cans" typeface="Euphemia"/>
+        <a:font script="Cher" typeface="Plantagenet Cherokee"/>
+        <a:font script="Yiii" typeface="Microsoft Yi Baiti"/>
+        <a:font script="Tibt" typeface="Microsoft Himalaya"/>
+        <a:font script="Thaa" typeface="MV Boli"/>
+        <a:font script="Deva" typeface="Mangal"/>
+        <a:font script="Telu" typeface="Gautami"/>
+        <a:font script="Taml" typeface="Latha"/>
+        <a:font script="Syrc" typeface="Estrangelo Edessa"/>
+        <a:font script="Orya" typeface="Kalinga"/>
+        <a:font script="Mlym" typeface="Kartika"/>
+        <a:font script="Laoo" typeface="DokChampa"/>
+        <a:font script="Sinh" typeface="Iskoola Pota"/>
+        <a:font script="Mong" typeface="Mongolian Baiti"/>
+        <a:font script="Viet" typeface="Arial"/>
+        <a:font script="Uigh" typeface="Microsoft Uighur"/>
+        <a:font script="Geor" typeface="Sylfaen"/>
+        <a:font script="Armn" typeface="Arial"/>
+        <a:font script="Bugi" typeface="Leelawadee UI"/>
+        <a:font script="Bopo" typeface="Microsoft JhengHei"/>
+        <a:font script="Java" typeface="Javanese Text"/>
+        <a:font script="Lisu" typeface="Segoe UI"/>
+        <a:font script="Mymr" typeface="Myanmar Text"/>
+        <a:font script="Nkoo" typeface="Ebrima"/>
+        <a:font script="Olck" typeface="Nirmala UI"/>
+        <a:font script="Osma" typeface="Ebrima"/>
+        <a:font script="Phag" typeface="Phagspa"/>
+        <a:font script="Syrn" typeface="Estrangelo Edessa"/>
+        <a:font script="Syrj" typeface="Estrangelo Edessa"/>
+        <a:font script="Syre" typeface="Estrangelo Edessa"/>
+        <a:font script="Sora" typeface="Nirmala UI"/>
+        <a:font script="Tale" typeface="Microsoft Tai Le"/>
+        <a:font script="Talu" typeface="Microsoft New Tai Lue"/>
+        <a:font script="Tfng" typeface="Ebrima"/>
+      </a:minorFont>
+    </a:fontScheme>
+    <a:fmtScheme name="Office">
+      <a:fillStyleLst>
+        <a:solidFill>
+          <a:schemeClr val="phClr"/>
+        </a:solidFill>
+        <a:gradFill rotWithShape="1">
+          <a:gsLst>
+            <a:gs pos="0">
+              <a:schemeClr val="phClr">
+                <a:lumMod val="110000"/>
+                <a:satMod val="105000"/>
+                <a:tint val="67000"/>
+              </a:schemeClr>
+            </a:gs>
+            <a:gs pos="50000">
+              <a:schemeClr val="phClr">
+                <a:lumMod val="105000"/>
+                <a:satMod val="103000"/>
+                <a:tint val="73000"/>
+              </a:schemeClr>
+            </a:gs>
+            <a:gs pos="100000">
+              <a:schemeClr val="phClr">
+                <a:lumMod val="105000"/>
+                <a:satMod val="109000"/>
+                <a:tint val="81000"/>
+              </a:schemeClr>
+            </a:gs>
+          </a:gsLst>
+          <a:lin ang="5400000" scaled="0"/>
+        </a:gradFill>
+        <a:gradFill rotWithShape="1">
+          <a:gsLst>
+            <a:gs pos="0">
+              <a:schemeClr val="phClr">
+                <a:satMod val="103000"/>
+                <a:lumMod val="102000"/>
+                <a:tint val="94000"/>
+              </a:schemeClr>
+            </a:gs>
+            <a:gs pos="50000">
+              <a:schemeClr val="phClr">
+                <a:satMod val="110000"/>
+                <a:lumMod val="100000"/>
+                <a:shade val="100000"/>
+              </a:schemeClr>
+            </a:gs>
+            <a:gs pos="100000">
+              <a:schemeClr val="phClr">
+                <a:lumMod val="99000"/>
+                <a:satMod val="120000"/>
+                <a:shade val="78000"/>
+              </a:schemeClr>
+            </a:gs>
+          </a:gsLst>
+          <a:lin ang="5400000" scaled="0"/>
+        </a:gradFill>
+      </a:fillStyleLst>
+      <a:lnStyleLst>
+        <a:ln w="6350" cap="flat" cmpd="sng" algn="ctr">
+          <a:solidFill>
+            <a:schemeClr val="phClr"/>
+          </a:solidFill>
+          <a:prstDash val="solid"/>
+          <a:miter lim="800000"/>
+        </a:ln>
+        <a:ln w="12700" cap="flat" cmpd="sng" algn="ctr">
+          <a:solidFill>
+            <a:schemeClr val="phClr"/>
+          </a:solidFill>
+          <a:prstDash val="solid"/>
+          <a:miter lim="800000"/>
+        </a:ln>
+        <a:ln w="19050" cap="flat" cmpd="sng" algn="ctr">
+          <a:solidFill>
+            <a:schemeClr val="phClr"/>
+          </a:solidFill>
+          <a:prstDash val="solid"/>
+          <a:miter lim="800000"/>
+        </a:ln>
+      </a:lnStyleLst>
+      <a:effectStyleLst>
+        <a:effectStyle>
+          <a:effectLst/>
+        </a:effectStyle>
+        <a:effectStyle>
+          <a:effectLst/>
+        </a:effectStyle>
+        <a:effectStyle>
+          <a:effectLst>
+            <a:outerShdw blurRad="57150" dist="19050" dir="5400000" algn="ctr" rotWithShape="0">
+              <a:srgbClr val="000000">
+                <a:alpha val="63000"/>
+              </a:srgbClr>
+            </a:outerShdw>
+          </a:effectLst>
+        </a:effectStyle>
+      </a:effectStyleLst>
+      <a:bgFillStyleLst>
+        <a:solidFill>
+          <a:schemeClr val="phClr"/>
+        </a:solidFill>
+        <a:solidFill>
+          <a:schemeClr val="phClr">
+            <a:tint val="95000"/>
+            <a:satMod val="170000"/>
+          </a:schemeClr>
+        </a:solidFill>
+        <a:gradFill rotWithShape="1">
+          <a:gsLst>
+            <a:gs pos="0">
+              <a:schemeClr val="phClr">
+                <a:tint val="93000"/>
+                <a:satMod val="150000"/>
+                <a:shade val="98000"/>
+                <a:lumMod val="102000"/>
+              </a:schemeClr>
+            </a:gs>
+            <a:gs pos="50000">
+              <a:schemeClr val="phClr">
+                <a:tint val="98000"/>
+                <a:satMod val="130000"/>
+                <a:shade val="90000"/>
+                <a:lumMod val="103000"/>
+              </a:schemeClr>
+            </a:gs>
+            <a:gs pos="100000">
+              <a:schemeClr val="phClr">
+                <a:shade val="63000"/>
+                <a:satMod val="120000"/>
+              </a:schemeClr>
+            </a:gs>
+          </a:gsLst>
+          <a:lin ang="5400000" scaled="0"/>
+        </a:gradFill>
+      </a:bgFillStyleLst>
+    </a:fmtScheme>
+  </a:themeElements>
+  <a:objectDefaults/>
+  <a:extraClrSchemeLst/>
+  <a:extLst>
+    <a:ext uri="{05A4C25C-085E-4340-85A3-A5531E510DB2}">
+      <thm15:themeFamily xmlns:thm15="http://schemas.microsoft.com/office/thememl/2012/main" name="Office Theme" id="{62F939B6-93AF-4DB8-9C6B-D6C7DFDC589F}" vid="{4A3C46E8-61CC-4603-A589-7422A47A8E4A}"/>
+    </a:ext>
+  </a:extLst>
+</a:theme>
 </file>